--- a/figures.pptx
+++ b/figures.pptx
@@ -6,9 +6,10 @@
   </p:sldMasterIdLst>
   <p:sldIdLst>
     <p:sldId id="256" r:id="rId2"/>
-    <p:sldId id="257" r:id="rId3"/>
-    <p:sldId id="258" r:id="rId4"/>
-    <p:sldId id="259" r:id="rId5"/>
+    <p:sldId id="258" r:id="rId3"/>
+    <p:sldId id="259" r:id="rId4"/>
+    <p:sldId id="260" r:id="rId5"/>
+    <p:sldId id="261" r:id="rId6"/>
   </p:sldIdLst>
   <p:sldSz cx="12192000" cy="6858000"/>
   <p:notesSz cx="6858000" cy="9144000"/>
@@ -262,7 +263,7 @@
           <a:p>
             <a:fld id="{06041330-E043-4496-BBE2-B1E6A72D518A}" type="datetimeFigureOut">
               <a:rPr lang="en-US" smtClean="0"/>
-              <a:t>5/5/2024</a:t>
+              <a:t>5/6/2024</a:t>
             </a:fld>
             <a:endParaRPr lang="en-US"/>
           </a:p>
@@ -460,7 +461,7 @@
           <a:p>
             <a:fld id="{06041330-E043-4496-BBE2-B1E6A72D518A}" type="datetimeFigureOut">
               <a:rPr lang="en-US" smtClean="0"/>
-              <a:t>5/5/2024</a:t>
+              <a:t>5/6/2024</a:t>
             </a:fld>
             <a:endParaRPr lang="en-US"/>
           </a:p>
@@ -668,7 +669,7 @@
           <a:p>
             <a:fld id="{06041330-E043-4496-BBE2-B1E6A72D518A}" type="datetimeFigureOut">
               <a:rPr lang="en-US" smtClean="0"/>
-              <a:t>5/5/2024</a:t>
+              <a:t>5/6/2024</a:t>
             </a:fld>
             <a:endParaRPr lang="en-US"/>
           </a:p>
@@ -866,7 +867,7 @@
           <a:p>
             <a:fld id="{06041330-E043-4496-BBE2-B1E6A72D518A}" type="datetimeFigureOut">
               <a:rPr lang="en-US" smtClean="0"/>
-              <a:t>5/5/2024</a:t>
+              <a:t>5/6/2024</a:t>
             </a:fld>
             <a:endParaRPr lang="en-US"/>
           </a:p>
@@ -1141,7 +1142,7 @@
           <a:p>
             <a:fld id="{06041330-E043-4496-BBE2-B1E6A72D518A}" type="datetimeFigureOut">
               <a:rPr lang="en-US" smtClean="0"/>
-              <a:t>5/5/2024</a:t>
+              <a:t>5/6/2024</a:t>
             </a:fld>
             <a:endParaRPr lang="en-US"/>
           </a:p>
@@ -1406,7 +1407,7 @@
           <a:p>
             <a:fld id="{06041330-E043-4496-BBE2-B1E6A72D518A}" type="datetimeFigureOut">
               <a:rPr lang="en-US" smtClean="0"/>
-              <a:t>5/5/2024</a:t>
+              <a:t>5/6/2024</a:t>
             </a:fld>
             <a:endParaRPr lang="en-US"/>
           </a:p>
@@ -1818,7 +1819,7 @@
           <a:p>
             <a:fld id="{06041330-E043-4496-BBE2-B1E6A72D518A}" type="datetimeFigureOut">
               <a:rPr lang="en-US" smtClean="0"/>
-              <a:t>5/5/2024</a:t>
+              <a:t>5/6/2024</a:t>
             </a:fld>
             <a:endParaRPr lang="en-US"/>
           </a:p>
@@ -1959,7 +1960,7 @@
           <a:p>
             <a:fld id="{06041330-E043-4496-BBE2-B1E6A72D518A}" type="datetimeFigureOut">
               <a:rPr lang="en-US" smtClean="0"/>
-              <a:t>5/5/2024</a:t>
+              <a:t>5/6/2024</a:t>
             </a:fld>
             <a:endParaRPr lang="en-US"/>
           </a:p>
@@ -2072,7 +2073,7 @@
           <a:p>
             <a:fld id="{06041330-E043-4496-BBE2-B1E6A72D518A}" type="datetimeFigureOut">
               <a:rPr lang="en-US" smtClean="0"/>
-              <a:t>5/5/2024</a:t>
+              <a:t>5/6/2024</a:t>
             </a:fld>
             <a:endParaRPr lang="en-US"/>
           </a:p>
@@ -2383,7 +2384,7 @@
           <a:p>
             <a:fld id="{06041330-E043-4496-BBE2-B1E6A72D518A}" type="datetimeFigureOut">
               <a:rPr lang="en-US" smtClean="0"/>
-              <a:t>5/5/2024</a:t>
+              <a:t>5/6/2024</a:t>
             </a:fld>
             <a:endParaRPr lang="en-US"/>
           </a:p>
@@ -2671,7 +2672,7 @@
           <a:p>
             <a:fld id="{06041330-E043-4496-BBE2-B1E6A72D518A}" type="datetimeFigureOut">
               <a:rPr lang="en-US" smtClean="0"/>
-              <a:t>5/5/2024</a:t>
+              <a:t>5/6/2024</a:t>
             </a:fld>
             <a:endParaRPr lang="en-US"/>
           </a:p>
@@ -2912,7 +2913,7 @@
           <a:p>
             <a:fld id="{06041330-E043-4496-BBE2-B1E6A72D518A}" type="datetimeFigureOut">
               <a:rPr lang="en-US" smtClean="0"/>
-              <a:t>5/5/2024</a:t>
+              <a:t>5/6/2024</a:t>
             </a:fld>
             <a:endParaRPr lang="en-US"/>
           </a:p>
@@ -3331,10 +3332,10 @@
       </p:grpSpPr>
       <p:grpSp>
         <p:nvGrpSpPr>
-          <p:cNvPr id="11" name="Group 10">
-            <a:extLst>
-              <a:ext uri="{FF2B5EF4-FFF2-40B4-BE49-F238E27FC236}">
-                <a16:creationId xmlns:a16="http://schemas.microsoft.com/office/drawing/2014/main" id="{7B986388-5884-1D7E-096D-73D076FFDDF6}"/>
+          <p:cNvPr id="14" name="Group 13">
+            <a:extLst>
+              <a:ext uri="{FF2B5EF4-FFF2-40B4-BE49-F238E27FC236}">
+                <a16:creationId xmlns:a16="http://schemas.microsoft.com/office/drawing/2014/main" id="{8552282E-D749-20BA-5493-E1301053407F}"/>
               </a:ext>
             </a:extLst>
           </p:cNvPr>
@@ -3343,18 +3344,18 @@
         </p:nvGrpSpPr>
         <p:grpSpPr>
           <a:xfrm>
-            <a:off x="66511" y="995362"/>
-            <a:ext cx="12058978" cy="4867276"/>
-            <a:chOff x="-1416597" y="995361"/>
-            <a:chExt cx="12058978" cy="4867276"/>
+            <a:off x="-994433" y="923925"/>
+            <a:ext cx="14180866" cy="5010150"/>
+            <a:chOff x="-4379641" y="923925"/>
+            <a:chExt cx="14180866" cy="5010150"/>
           </a:xfrm>
         </p:grpSpPr>
         <p:pic>
           <p:nvPicPr>
-            <p:cNvPr id="8" name="Picture 7" descr="A group of graphs showing different types of data&#10;&#10;Description automatically generated">
+            <p:cNvPr id="9" name="Picture 8" descr="A graph of different types of data&#10;&#10;Description automatically generated with medium confidence">
               <a:extLst>
                 <a:ext uri="{FF2B5EF4-FFF2-40B4-BE49-F238E27FC236}">
-                  <a16:creationId xmlns:a16="http://schemas.microsoft.com/office/drawing/2014/main" id="{33399ADE-C944-65E9-EE14-85DA40118F30}"/>
+                  <a16:creationId xmlns:a16="http://schemas.microsoft.com/office/drawing/2014/main" id="{EE4F9C8B-ED2F-3098-C544-723A6796D279}"/>
                 </a:ext>
               </a:extLst>
             </p:cNvPr>
@@ -3377,8 +3378,8 @@
           </p:blipFill>
           <p:spPr>
             <a:xfrm>
-              <a:off x="4298731" y="995361"/>
-              <a:ext cx="6343650" cy="4867275"/>
+              <a:off x="2390775" y="923925"/>
+              <a:ext cx="7410450" cy="5010150"/>
             </a:xfrm>
             <a:prstGeom prst="rect">
               <a:avLst/>
@@ -3387,10 +3388,10 @@
         </p:pic>
         <p:pic>
           <p:nvPicPr>
-            <p:cNvPr id="10" name="Picture 9" descr="A group of graphs showing different types of graphs&#10;&#10;Description automatically generated with medium confidence">
+            <p:cNvPr id="13" name="Picture 12" descr="A group of graphs with numbers&#10;&#10;Description automatically generated">
               <a:extLst>
                 <a:ext uri="{FF2B5EF4-FFF2-40B4-BE49-F238E27FC236}">
-                  <a16:creationId xmlns:a16="http://schemas.microsoft.com/office/drawing/2014/main" id="{115D70FD-7C32-6571-55B7-A666E9E83FF7}"/>
+                  <a16:creationId xmlns:a16="http://schemas.microsoft.com/office/drawing/2014/main" id="{7E90428E-E676-AB9F-7EDB-31FBB5F19363}"/>
                 </a:ext>
               </a:extLst>
             </p:cNvPr>
@@ -3407,13 +3408,13 @@
                 </a:ext>
               </a:extLst>
             </a:blip>
-            <a:srcRect r="9905"/>
+            <a:srcRect r="8637"/>
             <a:stretch/>
           </p:blipFill>
           <p:spPr>
             <a:xfrm>
-              <a:off x="-1416597" y="995362"/>
-              <a:ext cx="5715328" cy="4867275"/>
+              <a:off x="-4379641" y="923925"/>
+              <a:ext cx="6770416" cy="5010150"/>
             </a:xfrm>
             <a:prstGeom prst="rect">
               <a:avLst/>
@@ -3451,45 +3452,103 @@
           <a:chExt cx="0" cy="0"/>
         </a:xfrm>
       </p:grpSpPr>
-      <p:pic>
-        <p:nvPicPr>
-          <p:cNvPr id="9" name="Picture 8" descr="A diagram of wine content&#10;&#10;Description automatically generated with medium confidence">
-            <a:extLst>
-              <a:ext uri="{FF2B5EF4-FFF2-40B4-BE49-F238E27FC236}">
-                <a16:creationId xmlns:a16="http://schemas.microsoft.com/office/drawing/2014/main" id="{57578B4D-CC13-5CFD-110F-A78D0C618B50}"/>
-              </a:ext>
-            </a:extLst>
-          </p:cNvPr>
-          <p:cNvPicPr>
-            <a:picLocks noChangeAspect="1"/>
-          </p:cNvPicPr>
+      <p:grpSp>
+        <p:nvGrpSpPr>
+          <p:cNvPr id="17" name="Group 16">
+            <a:extLst>
+              <a:ext uri="{FF2B5EF4-FFF2-40B4-BE49-F238E27FC236}">
+                <a16:creationId xmlns:a16="http://schemas.microsoft.com/office/drawing/2014/main" id="{3C08ADF6-DC3C-2AD0-A082-42308CE106DB}"/>
+              </a:ext>
+            </a:extLst>
+          </p:cNvPr>
+          <p:cNvGrpSpPr/>
           <p:nvPr/>
-        </p:nvPicPr>
-        <p:blipFill rotWithShape="1">
-          <a:blip r:embed="rId2">
-            <a:extLst>
-              <a:ext uri="{28A0092B-C50C-407E-A947-70E740481C1C}">
-                <a14:useLocalDpi xmlns:a14="http://schemas.microsoft.com/office/drawing/2010/main" val="0"/>
-              </a:ext>
-            </a:extLst>
-          </a:blip>
-          <a:srcRect r="4080"/>
-          <a:stretch/>
-        </p:blipFill>
-        <p:spPr>
+        </p:nvGrpSpPr>
+        <p:grpSpPr>
           <a:xfrm>
-            <a:off x="2105014" y="820834"/>
-            <a:ext cx="7427870" cy="4905375"/>
+            <a:off x="-800100" y="842962"/>
+            <a:ext cx="13792200" cy="5172075"/>
+            <a:chOff x="-4248150" y="842962"/>
+            <a:chExt cx="13792200" cy="5172075"/>
           </a:xfrm>
-          <a:prstGeom prst="rect">
-            <a:avLst/>
-          </a:prstGeom>
-        </p:spPr>
-      </p:pic>
+        </p:grpSpPr>
+        <p:pic>
+          <p:nvPicPr>
+            <p:cNvPr id="11" name="Picture 10" descr="A chart with many letters and numbers&#10;&#10;Description automatically generated">
+              <a:extLst>
+                <a:ext uri="{FF2B5EF4-FFF2-40B4-BE49-F238E27FC236}">
+                  <a16:creationId xmlns:a16="http://schemas.microsoft.com/office/drawing/2014/main" id="{F5D59EA7-1A0C-A7DE-44D1-E7F0A92AFD71}"/>
+                </a:ext>
+              </a:extLst>
+            </p:cNvPr>
+            <p:cNvPicPr>
+              <a:picLocks noChangeAspect="1"/>
+            </p:cNvPicPr>
+            <p:nvPr/>
+          </p:nvPicPr>
+          <p:blipFill>
+            <a:blip r:embed="rId2">
+              <a:extLst>
+                <a:ext uri="{28A0092B-C50C-407E-A947-70E740481C1C}">
+                  <a14:useLocalDpi xmlns:a14="http://schemas.microsoft.com/office/drawing/2010/main" val="0"/>
+                </a:ext>
+              </a:extLst>
+            </a:blip>
+            <a:stretch>
+              <a:fillRect/>
+            </a:stretch>
+          </p:blipFill>
+          <p:spPr>
+            <a:xfrm>
+              <a:off x="2647950" y="842962"/>
+              <a:ext cx="6896100" cy="5172075"/>
+            </a:xfrm>
+            <a:prstGeom prst="rect">
+              <a:avLst/>
+            </a:prstGeom>
+          </p:spPr>
+        </p:pic>
+        <p:pic>
+          <p:nvPicPr>
+            <p:cNvPr id="16" name="Picture 15" descr="A graph with black and white text&#10;&#10;Description automatically generated">
+              <a:extLst>
+                <a:ext uri="{FF2B5EF4-FFF2-40B4-BE49-F238E27FC236}">
+                  <a16:creationId xmlns:a16="http://schemas.microsoft.com/office/drawing/2014/main" id="{9617E7EF-6673-2DE1-2819-7B21AC7CF773}"/>
+                </a:ext>
+              </a:extLst>
+            </p:cNvPr>
+            <p:cNvPicPr>
+              <a:picLocks noChangeAspect="1"/>
+            </p:cNvPicPr>
+            <p:nvPr/>
+          </p:nvPicPr>
+          <p:blipFill>
+            <a:blip r:embed="rId3">
+              <a:extLst>
+                <a:ext uri="{28A0092B-C50C-407E-A947-70E740481C1C}">
+                  <a14:useLocalDpi xmlns:a14="http://schemas.microsoft.com/office/drawing/2010/main" val="0"/>
+                </a:ext>
+              </a:extLst>
+            </a:blip>
+            <a:stretch>
+              <a:fillRect/>
+            </a:stretch>
+          </p:blipFill>
+          <p:spPr>
+            <a:xfrm>
+              <a:off x="-4248150" y="842962"/>
+              <a:ext cx="6896100" cy="5172075"/>
+            </a:xfrm>
+            <a:prstGeom prst="rect">
+              <a:avLst/>
+            </a:prstGeom>
+          </p:spPr>
+        </p:pic>
+      </p:grpSp>
     </p:spTree>
     <p:extLst>
       <p:ext uri="{BB962C8B-B14F-4D97-AF65-F5344CB8AC3E}">
-        <p14:creationId xmlns:p14="http://schemas.microsoft.com/office/powerpoint/2010/main" val="954759267"/>
+        <p14:creationId xmlns:p14="http://schemas.microsoft.com/office/powerpoint/2010/main" val="1927537935"/>
       </p:ext>
     </p:extLst>
   </p:cSld>
@@ -3518,10 +3577,10 @@
       </p:grpSpPr>
       <p:grpSp>
         <p:nvGrpSpPr>
-          <p:cNvPr id="15" name="Group 14">
-            <a:extLst>
-              <a:ext uri="{FF2B5EF4-FFF2-40B4-BE49-F238E27FC236}">
-                <a16:creationId xmlns:a16="http://schemas.microsoft.com/office/drawing/2014/main" id="{F740DA72-FB9A-1944-478B-63C185463B87}"/>
+          <p:cNvPr id="6" name="Group 5">
+            <a:extLst>
+              <a:ext uri="{FF2B5EF4-FFF2-40B4-BE49-F238E27FC236}">
+                <a16:creationId xmlns:a16="http://schemas.microsoft.com/office/drawing/2014/main" id="{78E3BAE4-02E6-B3FC-0B40-F9D052C1E882}"/>
               </a:ext>
             </a:extLst>
           </p:cNvPr>
@@ -3530,18 +3589,18 @@
         </p:nvGrpSpPr>
         <p:grpSpPr>
           <a:xfrm>
-            <a:off x="-1485900" y="738187"/>
-            <a:ext cx="15163800" cy="5381625"/>
-            <a:chOff x="-5276850" y="738187"/>
-            <a:chExt cx="15163800" cy="5381625"/>
+            <a:off x="-1409700" y="1624012"/>
+            <a:ext cx="15011400" cy="3609975"/>
+            <a:chOff x="-5162550" y="1624012"/>
+            <a:chExt cx="15011400" cy="3609975"/>
           </a:xfrm>
         </p:grpSpPr>
         <p:pic>
           <p:nvPicPr>
-            <p:cNvPr id="12" name="Picture 11" descr="A graph of different types of wine&#10;&#10;Description automatically generated">
+            <p:cNvPr id="3" name="Picture 2" descr="A graph of a variety of wine&#10;&#10;Description automatically generated">
               <a:extLst>
                 <a:ext uri="{FF2B5EF4-FFF2-40B4-BE49-F238E27FC236}">
-                  <a16:creationId xmlns:a16="http://schemas.microsoft.com/office/drawing/2014/main" id="{9963716D-17F3-268A-E417-B5CCCFCCB62F}"/>
+                  <a16:creationId xmlns:a16="http://schemas.microsoft.com/office/drawing/2014/main" id="{738E2BE4-AA1B-F1A0-8130-8C489E7B4591}"/>
                 </a:ext>
               </a:extLst>
             </p:cNvPr>
@@ -3564,8 +3623,8 @@
           </p:blipFill>
           <p:spPr>
             <a:xfrm>
-              <a:off x="2305050" y="738187"/>
-              <a:ext cx="7581900" cy="5381625"/>
+              <a:off x="2343150" y="1624012"/>
+              <a:ext cx="7505700" cy="3609975"/>
             </a:xfrm>
             <a:prstGeom prst="rect">
               <a:avLst/>
@@ -3574,10 +3633,10 @@
         </p:pic>
         <p:pic>
           <p:nvPicPr>
-            <p:cNvPr id="14" name="Picture 13" descr="A diagram of different types of wine&#10;&#10;Description automatically generated">
+            <p:cNvPr id="5" name="Picture 4" descr="A line graph with green dots&#10;&#10;Description automatically generated">
               <a:extLst>
                 <a:ext uri="{FF2B5EF4-FFF2-40B4-BE49-F238E27FC236}">
-                  <a16:creationId xmlns:a16="http://schemas.microsoft.com/office/drawing/2014/main" id="{EF921C13-DA84-7317-C4C1-943FA600799F}"/>
+                  <a16:creationId xmlns:a16="http://schemas.microsoft.com/office/drawing/2014/main" id="{91B52B11-D4C5-4853-6A7C-61B54D50DFEE}"/>
                 </a:ext>
               </a:extLst>
             </p:cNvPr>
@@ -3600,8 +3659,8 @@
           </p:blipFill>
           <p:spPr>
             <a:xfrm>
-              <a:off x="-5276850" y="738187"/>
-              <a:ext cx="7581900" cy="5381625"/>
+              <a:off x="-5162550" y="1624012"/>
+              <a:ext cx="7505700" cy="3609975"/>
             </a:xfrm>
             <a:prstGeom prst="rect">
               <a:avLst/>
@@ -3612,7 +3671,7 @@
     </p:spTree>
     <p:extLst>
       <p:ext uri="{BB962C8B-B14F-4D97-AF65-F5344CB8AC3E}">
-        <p14:creationId xmlns:p14="http://schemas.microsoft.com/office/powerpoint/2010/main" val="1927537935"/>
+        <p14:creationId xmlns:p14="http://schemas.microsoft.com/office/powerpoint/2010/main" val="1073532308"/>
       </p:ext>
     </p:extLst>
   </p:cSld>
@@ -3641,10 +3700,10 @@
       </p:grpSpPr>
       <p:grpSp>
         <p:nvGrpSpPr>
-          <p:cNvPr id="11" name="Group 10">
-            <a:extLst>
-              <a:ext uri="{FF2B5EF4-FFF2-40B4-BE49-F238E27FC236}">
-                <a16:creationId xmlns:a16="http://schemas.microsoft.com/office/drawing/2014/main" id="{31BE54FE-8F4B-491B-7283-A10F98FDB9B2}"/>
+          <p:cNvPr id="16" name="Group 15">
+            <a:extLst>
+              <a:ext uri="{FF2B5EF4-FFF2-40B4-BE49-F238E27FC236}">
+                <a16:creationId xmlns:a16="http://schemas.microsoft.com/office/drawing/2014/main" id="{4F23D447-1E95-3854-E525-A14E9E31B71B}"/>
               </a:ext>
             </a:extLst>
           </p:cNvPr>
@@ -3653,18 +3712,18 @@
         </p:nvGrpSpPr>
         <p:grpSpPr>
           <a:xfrm>
-            <a:off x="-1485900" y="738187"/>
-            <a:ext cx="15163800" cy="5381626"/>
-            <a:chOff x="-5276850" y="738186"/>
-            <a:chExt cx="15163800" cy="5381626"/>
+            <a:off x="1409639" y="1885930"/>
+            <a:ext cx="9372722" cy="3086140"/>
+            <a:chOff x="-933542" y="1885930"/>
+            <a:chExt cx="9372722" cy="3086140"/>
           </a:xfrm>
         </p:grpSpPr>
         <p:pic>
           <p:nvPicPr>
-            <p:cNvPr id="8" name="Picture 7" descr="A graph of wine count&#10;&#10;Description automatically generated with medium confidence">
+            <p:cNvPr id="13" name="Picture 12" descr="A graph of a variety of bar graphs&#10;&#10;Description automatically generated with medium confidence">
               <a:extLst>
                 <a:ext uri="{FF2B5EF4-FFF2-40B4-BE49-F238E27FC236}">
-                  <a16:creationId xmlns:a16="http://schemas.microsoft.com/office/drawing/2014/main" id="{298A8D84-6B0E-5713-41B8-3831AE660A98}"/>
+                  <a16:creationId xmlns:a16="http://schemas.microsoft.com/office/drawing/2014/main" id="{800837B1-D79D-A9FF-B921-4FFFABF64B90}"/>
                 </a:ext>
               </a:extLst>
             </p:cNvPr>
@@ -3687,8 +3746,8 @@
           </p:blipFill>
           <p:spPr>
             <a:xfrm>
-              <a:off x="2305050" y="738187"/>
-              <a:ext cx="7581900" cy="5381625"/>
+              <a:off x="3752819" y="1885930"/>
+              <a:ext cx="4686361" cy="3086140"/>
             </a:xfrm>
             <a:prstGeom prst="rect">
               <a:avLst/>
@@ -3697,10 +3756,10 @@
         </p:pic>
         <p:pic>
           <p:nvPicPr>
-            <p:cNvPr id="10" name="Picture 9" descr="A graph of a number of wine varieties&#10;&#10;Description automatically generated">
+            <p:cNvPr id="15" name="Picture 14" descr="A graph of a variety of colors&#10;&#10;Description automatically generated with medium confidence">
               <a:extLst>
                 <a:ext uri="{FF2B5EF4-FFF2-40B4-BE49-F238E27FC236}">
-                  <a16:creationId xmlns:a16="http://schemas.microsoft.com/office/drawing/2014/main" id="{94256EC4-F5E0-A3B5-57FA-D6F0331DE8B9}"/>
+                  <a16:creationId xmlns:a16="http://schemas.microsoft.com/office/drawing/2014/main" id="{ECC8C7B4-A410-9249-CB9C-8DF6A706D769}"/>
                 </a:ext>
               </a:extLst>
             </p:cNvPr>
@@ -3723,8 +3782,8 @@
           </p:blipFill>
           <p:spPr>
             <a:xfrm>
-              <a:off x="-5276850" y="738186"/>
-              <a:ext cx="7581900" cy="5381625"/>
+              <a:off x="-933542" y="1885930"/>
+              <a:ext cx="4686361" cy="3086140"/>
             </a:xfrm>
             <a:prstGeom prst="rect">
               <a:avLst/>
@@ -3735,7 +3794,233 @@
     </p:spTree>
     <p:extLst>
       <p:ext uri="{BB962C8B-B14F-4D97-AF65-F5344CB8AC3E}">
-        <p14:creationId xmlns:p14="http://schemas.microsoft.com/office/powerpoint/2010/main" val="1073532308"/>
+        <p14:creationId xmlns:p14="http://schemas.microsoft.com/office/powerpoint/2010/main" val="3527857560"/>
+      </p:ext>
+    </p:extLst>
+  </p:cSld>
+  <p:clrMapOvr>
+    <a:masterClrMapping/>
+  </p:clrMapOvr>
+</p:sld>
+</file>
+
+<file path=ppt/slides/slide5.xml><?xml version="1.0" encoding="utf-8"?>
+<p:sld xmlns:a="http://schemas.openxmlformats.org/drawingml/2006/main" xmlns:r="http://schemas.openxmlformats.org/officeDocument/2006/relationships" xmlns:p="http://schemas.openxmlformats.org/presentationml/2006/main">
+  <p:cSld>
+    <p:spTree>
+      <p:nvGrpSpPr>
+        <p:cNvPr id="1" name=""/>
+        <p:cNvGrpSpPr/>
+        <p:nvPr/>
+      </p:nvGrpSpPr>
+      <p:grpSpPr>
+        <a:xfrm>
+          <a:off x="0" y="0"/>
+          <a:ext cx="0" cy="0"/>
+          <a:chOff x="0" y="0"/>
+          <a:chExt cx="0" cy="0"/>
+        </a:xfrm>
+      </p:grpSpPr>
+      <p:grpSp>
+        <p:nvGrpSpPr>
+          <p:cNvPr id="9" name="Group 8">
+            <a:extLst>
+              <a:ext uri="{FF2B5EF4-FFF2-40B4-BE49-F238E27FC236}">
+                <a16:creationId xmlns:a16="http://schemas.microsoft.com/office/drawing/2014/main" id="{D5553EC9-BD2D-1CA2-78F2-39C62D465433}"/>
+              </a:ext>
+            </a:extLst>
+          </p:cNvPr>
+          <p:cNvGrpSpPr/>
+          <p:nvPr/>
+        </p:nvGrpSpPr>
+        <p:grpSpPr>
+          <a:xfrm>
+            <a:off x="767881" y="1097654"/>
+            <a:ext cx="11094364" cy="3653022"/>
+            <a:chOff x="767881" y="1097654"/>
+            <a:chExt cx="11094364" cy="3653022"/>
+          </a:xfrm>
+        </p:grpSpPr>
+        <p:grpSp>
+          <p:nvGrpSpPr>
+            <p:cNvPr id="7" name="Group 6">
+              <a:extLst>
+                <a:ext uri="{FF2B5EF4-FFF2-40B4-BE49-F238E27FC236}">
+                  <a16:creationId xmlns:a16="http://schemas.microsoft.com/office/drawing/2014/main" id="{3405E7E1-2E7E-9985-53EC-025852ADA579}"/>
+                </a:ext>
+              </a:extLst>
+            </p:cNvPr>
+            <p:cNvGrpSpPr/>
+            <p:nvPr/>
+          </p:nvGrpSpPr>
+          <p:grpSpPr>
+            <a:xfrm>
+              <a:off x="767881" y="1097654"/>
+              <a:ext cx="11094364" cy="3653022"/>
+              <a:chOff x="767881" y="1097654"/>
+              <a:chExt cx="9372722" cy="3086140"/>
+            </a:xfrm>
+          </p:grpSpPr>
+          <p:pic>
+            <p:nvPicPr>
+              <p:cNvPr id="3" name="Picture 2" descr="A diagram of a bar graph&#10;&#10;Description automatically generated">
+                <a:extLst>
+                  <a:ext uri="{FF2B5EF4-FFF2-40B4-BE49-F238E27FC236}">
+                    <a16:creationId xmlns:a16="http://schemas.microsoft.com/office/drawing/2014/main" id="{5735E486-66AE-6B06-B96F-C374E556FBA8}"/>
+                  </a:ext>
+                </a:extLst>
+              </p:cNvPr>
+              <p:cNvPicPr>
+                <a:picLocks noChangeAspect="1"/>
+              </p:cNvPicPr>
+              <p:nvPr/>
+            </p:nvPicPr>
+            <p:blipFill>
+              <a:blip r:embed="rId2">
+                <a:extLst>
+                  <a:ext uri="{28A0092B-C50C-407E-A947-70E740481C1C}">
+                    <a14:useLocalDpi xmlns:a14="http://schemas.microsoft.com/office/drawing/2010/main" val="0"/>
+                  </a:ext>
+                </a:extLst>
+              </a:blip>
+              <a:stretch>
+                <a:fillRect/>
+              </a:stretch>
+            </p:blipFill>
+            <p:spPr>
+              <a:xfrm>
+                <a:off x="5454242" y="1097654"/>
+                <a:ext cx="4686361" cy="3086140"/>
+              </a:xfrm>
+              <a:prstGeom prst="rect">
+                <a:avLst/>
+              </a:prstGeom>
+            </p:spPr>
+          </p:pic>
+          <p:pic>
+            <p:nvPicPr>
+              <p:cNvPr id="5" name="Picture 4" descr="A diagram of a graph&#10;&#10;Description automatically generated with medium confidence">
+                <a:extLst>
+                  <a:ext uri="{FF2B5EF4-FFF2-40B4-BE49-F238E27FC236}">
+                    <a16:creationId xmlns:a16="http://schemas.microsoft.com/office/drawing/2014/main" id="{EEA51C7E-2EDC-7980-2732-D01CDFF45219}"/>
+                  </a:ext>
+                </a:extLst>
+              </p:cNvPr>
+              <p:cNvPicPr>
+                <a:picLocks noChangeAspect="1"/>
+              </p:cNvPicPr>
+              <p:nvPr/>
+            </p:nvPicPr>
+            <p:blipFill>
+              <a:blip r:embed="rId3">
+                <a:extLst>
+                  <a:ext uri="{28A0092B-C50C-407E-A947-70E740481C1C}">
+                    <a14:useLocalDpi xmlns:a14="http://schemas.microsoft.com/office/drawing/2010/main" val="0"/>
+                  </a:ext>
+                </a:extLst>
+              </a:blip>
+              <a:stretch>
+                <a:fillRect/>
+              </a:stretch>
+            </p:blipFill>
+            <p:spPr>
+              <a:xfrm>
+                <a:off x="767881" y="1097654"/>
+                <a:ext cx="4686361" cy="3086140"/>
+              </a:xfrm>
+              <a:prstGeom prst="rect">
+                <a:avLst/>
+              </a:prstGeom>
+            </p:spPr>
+          </p:pic>
+        </p:grpSp>
+        <p:sp>
+          <p:nvSpPr>
+            <p:cNvPr id="6" name="TextBox 5">
+              <a:extLst>
+                <a:ext uri="{FF2B5EF4-FFF2-40B4-BE49-F238E27FC236}">
+                  <a16:creationId xmlns:a16="http://schemas.microsoft.com/office/drawing/2014/main" id="{B807768D-4BDA-E909-06AE-5A2EFB9E4268}"/>
+                </a:ext>
+              </a:extLst>
+            </p:cNvPr>
+            <p:cNvSpPr txBox="1"/>
+            <p:nvPr/>
+          </p:nvSpPr>
+          <p:spPr>
+            <a:xfrm>
+              <a:off x="1000138" y="1282262"/>
+              <a:ext cx="4876800" cy="369332"/>
+            </a:xfrm>
+            <a:prstGeom prst="rect">
+              <a:avLst/>
+            </a:prstGeom>
+            <a:noFill/>
+          </p:spPr>
+          <p:txBody>
+            <a:bodyPr wrap="square" rtlCol="0">
+              <a:spAutoFit/>
+            </a:bodyPr>
+            <a:lstStyle/>
+            <a:p>
+              <a:pPr algn="ctr"/>
+              <a:r>
+                <a:rPr lang="en-GB" b="1" dirty="0"/>
+                <a:t>TRAIN SET: </a:t>
+              </a:r>
+              <a:r>
+                <a:rPr lang="en-GB" dirty="0"/>
+                <a:t>Accuracy = 0.8128, F1 Score = 0.7437</a:t>
+              </a:r>
+              <a:endParaRPr lang="en-US" dirty="0"/>
+            </a:p>
+          </p:txBody>
+        </p:sp>
+        <p:sp>
+          <p:nvSpPr>
+            <p:cNvPr id="8" name="TextBox 7">
+              <a:extLst>
+                <a:ext uri="{FF2B5EF4-FFF2-40B4-BE49-F238E27FC236}">
+                  <a16:creationId xmlns:a16="http://schemas.microsoft.com/office/drawing/2014/main" id="{EB848ECE-C875-673C-6923-409364D173F6}"/>
+                </a:ext>
+              </a:extLst>
+            </p:cNvPr>
+            <p:cNvSpPr txBox="1"/>
+            <p:nvPr/>
+          </p:nvSpPr>
+          <p:spPr>
+            <a:xfrm>
+              <a:off x="6828124" y="1282262"/>
+              <a:ext cx="4876800" cy="369332"/>
+            </a:xfrm>
+            <a:prstGeom prst="rect">
+              <a:avLst/>
+            </a:prstGeom>
+            <a:noFill/>
+          </p:spPr>
+          <p:txBody>
+            <a:bodyPr wrap="square" rtlCol="0">
+              <a:spAutoFit/>
+            </a:bodyPr>
+            <a:lstStyle/>
+            <a:p>
+              <a:pPr algn="ctr"/>
+              <a:r>
+                <a:rPr lang="en-GB" b="1" dirty="0"/>
+                <a:t>TEST SET: </a:t>
+              </a:r>
+              <a:r>
+                <a:rPr lang="en-GB" dirty="0"/>
+                <a:t>Accuracy = 0.7325, F1 Score = 0.5664</a:t>
+              </a:r>
+              <a:endParaRPr lang="en-US" dirty="0"/>
+            </a:p>
+          </p:txBody>
+        </p:sp>
+      </p:grpSp>
+    </p:spTree>
+    <p:extLst>
+      <p:ext uri="{BB962C8B-B14F-4D97-AF65-F5344CB8AC3E}">
+        <p14:creationId xmlns:p14="http://schemas.microsoft.com/office/powerpoint/2010/main" val="1221154063"/>
       </p:ext>
     </p:extLst>
   </p:cSld>
